--- a/Resume_DurgasriThamada.pptx
+++ b/Resume_DurgasriThamada.pptx
@@ -249,7 +249,7 @@
             <a:fld id="{86C988DC-9DE3-4390-97AB-D61B85DACE57}" type="datetimeFigureOut">
               <a:rPr lang="pt-PT" sz="900" smtClean="0"/>
               <a:pPr/>
-              <a:t>05/10/2021</a:t>
+              <a:t>07/10/2021</a:t>
             </a:fld>
             <a:endParaRPr lang="pt-PT" sz="900"/>
           </a:p>
@@ -428,7 +428,7 @@
             <a:fld id="{0835B8F7-DAC4-4931-8AED-4356A8B2FD64}" type="datetimeFigureOut">
               <a:rPr lang="pt-BR" smtClean="0"/>
               <a:pPr/>
-              <a:t>05/10/2021</a:t>
+              <a:t>07/10/2021</a:t>
             </a:fld>
             <a:endParaRPr lang="pt-BR"/>
           </a:p>
@@ -13002,7 +13002,7 @@
             <a:fld id="{425404F2-BE9A-4460-8815-8F645183555F}" type="datetimeFigureOut">
               <a:rPr lang="en-US" smtClean="0"/>
               <a:pPr/>
-              <a:t>10/5/2021</a:t>
+              <a:t>10/7/2021</a:t>
             </a:fld>
             <a:endParaRPr lang="en-US"/>
           </a:p>
@@ -17275,14 +17275,14 @@
           <p:nvPr>
             <p:extLst>
               <p:ext uri="{D42A27DB-BD31-4B8C-83A1-F6EECF244321}">
-                <p14:modId xmlns:p14="http://schemas.microsoft.com/office/powerpoint/2010/main" val="575988063"/>
+                <p14:modId xmlns:p14="http://schemas.microsoft.com/office/powerpoint/2010/main" val="3626505543"/>
               </p:ext>
             </p:extLst>
           </p:nvPr>
         </p:nvGraphicFramePr>
         <p:xfrm>
           <a:off x="9192130" y="1225866"/>
-          <a:ext cx="3038686" cy="5085095"/>
+          <a:ext cx="3038686" cy="5139594"/>
         </p:xfrm>
         <a:graphic>
           <a:graphicData uri="http://schemas.openxmlformats.org/drawingml/2006/table">
@@ -17306,7 +17306,7 @@
                   </a:extLst>
                 </a:gridCol>
               </a:tblGrid>
-              <a:tr h="481047">
+              <a:tr h="444183">
                 <a:tc>
                   <a:txBody>
                     <a:bodyPr/>
@@ -17422,7 +17422,7 @@
                   </a:ext>
                 </a:extLst>
               </a:tr>
-              <a:tr h="363106">
+              <a:tr h="325734">
                 <a:tc>
                   <a:txBody>
                     <a:bodyPr/>
@@ -17525,7 +17525,7 @@
                   </a:ext>
                 </a:extLst>
               </a:tr>
-              <a:tr h="609325">
+              <a:tr h="562631">
                 <a:tc>
                   <a:txBody>
                     <a:bodyPr/>
@@ -17620,7 +17620,83 @@
                   </a:ext>
                 </a:extLst>
               </a:tr>
-              <a:tr h="627182">
+              <a:tr h="444183">
+                <a:tc>
+                  <a:txBody>
+                    <a:bodyPr/>
+                    <a:lstStyle/>
+                    <a:p>
+                      <a:r>
+                        <a:rPr kumimoji="0" lang="en-US" sz="800" u="none" strike="noStrike" kern="1200" cap="none" spc="0" normalizeH="0" baseline="0" dirty="0">
+                          <a:ln>
+                            <a:noFill/>
+                          </a:ln>
+                          <a:effectLst/>
+                          <a:uLnTx/>
+                          <a:uFillTx/>
+                        </a:rPr>
+                        <a:t>Spring Data JPA</a:t>
+                      </a:r>
+                      <a:endParaRPr kumimoji="0" lang="en-US" sz="800" b="0" i="0" u="none" strike="noStrike" kern="1200" cap="none" spc="0" normalizeH="0" baseline="0" dirty="0">
+                        <a:ln>
+                          <a:noFill/>
+                        </a:ln>
+                        <a:solidFill>
+                          <a:prstClr val="black"/>
+                        </a:solidFill>
+                        <a:effectLst/>
+                        <a:uLnTx/>
+                        <a:uFillTx/>
+                        <a:latin typeface="Verdana" panose="020B0604030504040204" pitchFamily="34" charset="0"/>
+                        <a:ea typeface="+mn-ea"/>
+                        <a:cs typeface="+mn-cs"/>
+                      </a:endParaRPr>
+                    </a:p>
+                  </a:txBody>
+                  <a:tcPr/>
+                </a:tc>
+                <a:tc>
+                  <a:txBody>
+                    <a:bodyPr/>
+                    <a:lstStyle/>
+                    <a:p>
+                      <a:pPr marL="0" marR="0" lvl="0" indent="0" algn="l" defTabSz="914400" rtl="0" eaLnBrk="1" fontAlgn="auto" latinLnBrk="0" hangingPunct="1">
+                        <a:lnSpc>
+                          <a:spcPct val="100000"/>
+                        </a:lnSpc>
+                        <a:spcBef>
+                          <a:spcPts val="0"/>
+                        </a:spcBef>
+                        <a:spcAft>
+                          <a:spcPts val="0"/>
+                        </a:spcAft>
+                        <a:buClrTx/>
+                        <a:buSzTx/>
+                        <a:buFontTx/>
+                        <a:buNone/>
+                        <a:tabLst/>
+                        <a:defRPr/>
+                      </a:pPr>
+                      <a:r>
+                        <a:rPr lang="en-US" sz="700" dirty="0"/>
+                        <a:t>Implement DAO layer using spring Data repositories, Transaction Management</a:t>
+                      </a:r>
+                      <a:endParaRPr lang="en-US" sz="700" dirty="0">
+                        <a:solidFill>
+                          <a:schemeClr val="tx1"/>
+                        </a:solidFill>
+                      </a:endParaRPr>
+                    </a:p>
+                  </a:txBody>
+                  <a:tcPr/>
+                </a:tc>
+                <a:extLst>
+                  <a:ext uri="{0D108BD9-81ED-4DB2-BD59-A6C34878D82A}">
+                    <a16:rowId xmlns:a16="http://schemas.microsoft.com/office/drawing/2014/main" val="668073409"/>
+                  </a:ext>
+                </a:extLst>
+              </a:tr>
+              <a:tr h="562631">
                 <a:tc>
                   <a:txBody>
                     <a:bodyPr/>
@@ -17695,7 +17771,7 @@
                   </a:ext>
                 </a:extLst>
               </a:tr>
-              <a:tr h="445630">
+              <a:tr h="377802">
                 <a:tc>
                   <a:txBody>
                     <a:bodyPr/>
@@ -17774,7 +17850,7 @@
                   </a:ext>
                 </a:extLst>
               </a:tr>
-              <a:tr h="481047">
+              <a:tr h="444183">
                 <a:tc>
                   <a:txBody>
                     <a:bodyPr/>
@@ -17851,7 +17927,7 @@
                   </a:ext>
                 </a:extLst>
               </a:tr>
-              <a:tr h="352767">
+              <a:tr h="325734">
                 <a:tc>
                   <a:txBody>
                     <a:bodyPr/>
@@ -17963,7 +18039,7 @@
                   </a:ext>
                 </a:extLst>
               </a:tr>
-              <a:tr h="481047">
+              <a:tr h="444183">
                 <a:tc>
                   <a:txBody>
                     <a:bodyPr/>
@@ -18049,7 +18125,7 @@
                   </a:ext>
                 </a:extLst>
               </a:tr>
-              <a:tr h="281850">
+              <a:tr h="260251">
                 <a:tc>
                   <a:txBody>
                     <a:bodyPr/>
@@ -18108,7 +18184,7 @@
                   </a:ext>
                 </a:extLst>
               </a:tr>
-              <a:tr h="481047">
+              <a:tr h="444183">
                 <a:tc>
                   <a:txBody>
                     <a:bodyPr/>
@@ -18167,7 +18243,7 @@
                   </a:ext>
                 </a:extLst>
               </a:tr>
-              <a:tr h="481047">
+              <a:tr h="444183">
                 <a:tc>
                   <a:txBody>
                     <a:bodyPr/>
@@ -18273,32 +18349,12 @@
               </a:lnSpc>
             </a:pPr>
             <a:r>
-              <a:rPr lang="en-IN" altLang="en-US" sz="1100"/>
-              <a:t>	I </a:t>
-            </a:r>
-            <a:r>
               <a:rPr lang="en-IN" altLang="en-US" sz="1100" dirty="0"/>
-              <a:t>have implemented end to end case study of the basic ask of Agriculture Crop System Application using </a:t>
-            </a:r>
-            <a:r>
-              <a:rPr lang="en-IN" altLang="en-US" sz="1100" dirty="0" err="1"/>
-              <a:t>mongodb</a:t>
-            </a:r>
-            <a:r>
-              <a:rPr lang="en-IN" altLang="en-US" sz="1100" dirty="0"/>
-              <a:t>, </a:t>
-            </a:r>
-            <a:r>
-              <a:rPr lang="en-IN" altLang="en-US" sz="1100" dirty="0" err="1"/>
-              <a:t>SpringBoot</a:t>
-            </a:r>
-            <a:r>
-              <a:rPr lang="en-IN" altLang="en-US" sz="1100" dirty="0"/>
-              <a:t> microservices, responsive UI with </a:t>
+              <a:t>I have implemented end to end case study of the basic ask of Agriculture Crop System Application along with backend testing using responsive UI with </a:t>
             </a:r>
             <a:r>
               <a:rPr lang="en-US" altLang="en-US" sz="1100" dirty="0"/>
-              <a:t>CSS, html and Angular used for user interface which also have authentication for users. </a:t>
+              <a:t>CSS and Angular used for user interface.</a:t>
             </a:r>
             <a:endParaRPr lang="en-US" altLang="nl-NL" sz="1100" b="1" dirty="0"/>
           </a:p>
@@ -18649,8 +18705,13 @@
             </a:r>
             <a:r>
               <a:rPr lang="en-US" sz="1100" dirty="0"/>
-              <a:t> Eureka server </a:t>
-            </a:r>
+              <a:t> Eureka server and </a:t>
+            </a:r>
+            <a:r>
+              <a:rPr lang="en-US" sz="1100" b="1" dirty="0"/>
+              <a:t>unit testing using Junit.</a:t>
+            </a:r>
+            <a:endParaRPr lang="en-US" sz="1100" dirty="0"/>
           </a:p>
           <a:p>
             <a:pPr marL="171450" indent="-171450">
@@ -18675,7 +18736,7 @@
             </a:r>
             <a:r>
               <a:rPr lang="en-US" sz="1100" dirty="0"/>
-              <a:t> with Angular reactive forms, angular routing, CSS</a:t>
+              <a:t> with Angular reactive forms, angular routing, CSS.</a:t>
             </a:r>
           </a:p>
           <a:p>
@@ -18709,7 +18770,7 @@
             </a:r>
             <a:r>
               <a:rPr lang="en-US" sz="1100" dirty="0"/>
-              <a:t> </a:t>
+              <a:t> .</a:t>
             </a:r>
           </a:p>
           <a:p>
@@ -20671,12 +20732,6 @@
 </file>
 
 <file path=customXml/item2.xml><?xml version="1.0" encoding="utf-8"?>
-<p:properties xmlns:p="http://schemas.microsoft.com/office/2006/metadata/properties" xmlns:xsi="http://www.w3.org/2001/XMLSchema-instance" xmlns:pc="http://schemas.microsoft.com/office/infopath/2007/PartnerControls">
-  <documentManagement/>
-</p:properties>
-</file>
-
-<file path=customXml/item3.xml><?xml version="1.0" encoding="utf-8"?>
 <ct:contentTypeSchema xmlns:ct="http://schemas.microsoft.com/office/2006/metadata/contentType" xmlns:ma="http://schemas.microsoft.com/office/2006/metadata/properties/metaAttributes" ct:_="" ma:_="" ma:contentTypeName="Document" ma:contentTypeID="0x010100C33155D503BFC942A57BA969F1C4EED5" ma:contentTypeVersion="13" ma:contentTypeDescription="Create a new document." ma:contentTypeScope="" ma:versionID="c80b1f7ea370ae896a5b6e523a0cf15c">
   <xsd:schema xmlns:xsd="http://www.w3.org/2001/XMLSchema" xmlns:xs="http://www.w3.org/2001/XMLSchema" xmlns:p="http://schemas.microsoft.com/office/2006/metadata/properties" xmlns:ns3="25289c4b-8fd1-4155-b56f-82d6fa13afd3" xmlns:ns4="c43bfbf7-b5f8-4451-8464-ef79a2e28ca1" targetNamespace="http://schemas.microsoft.com/office/2006/metadata/properties" ma:root="true" ma:fieldsID="376fee7e205f44b9967171b065daf661" ns3:_="" ns4:_="">
     <xsd:import namespace="25289c4b-8fd1-4155-b56f-82d6fa13afd3"/>
@@ -20899,6 +20954,12 @@
 </ct:contentTypeSchema>
 </file>
 
+<file path=customXml/item3.xml><?xml version="1.0" encoding="utf-8"?>
+<p:properties xmlns:p="http://schemas.microsoft.com/office/2006/metadata/properties" xmlns:xsi="http://www.w3.org/2001/XMLSchema-instance" xmlns:pc="http://schemas.microsoft.com/office/infopath/2007/PartnerControls">
+  <documentManagement/>
+</p:properties>
+</file>
+
 <file path=customXml/itemProps1.xml><?xml version="1.0" encoding="utf-8"?>
 <ds:datastoreItem xmlns:ds="http://schemas.openxmlformats.org/officeDocument/2006/customXml" ds:itemID="{C79773B3-BEED-4422-883D-E6632C7C7120}">
   <ds:schemaRefs>
@@ -20908,23 +20969,6 @@
 </file>
 
 <file path=customXml/itemProps2.xml><?xml version="1.0" encoding="utf-8"?>
-<ds:datastoreItem xmlns:ds="http://schemas.openxmlformats.org/officeDocument/2006/customXml" ds:itemID="{5430857F-5B57-4BA6-87F2-356B3F6438EF}">
-  <ds:schemaRefs>
-    <ds:schemaRef ds:uri="http://purl.org/dc/elements/1.1/"/>
-    <ds:schemaRef ds:uri="http://schemas.microsoft.com/office/2006/metadata/properties"/>
-    <ds:schemaRef ds:uri="http://schemas.microsoft.com/office/2006/documentManagement/types"/>
-    <ds:schemaRef ds:uri="25289c4b-8fd1-4155-b56f-82d6fa13afd3"/>
-    <ds:schemaRef ds:uri="http://purl.org/dc/terms/"/>
-    <ds:schemaRef ds:uri="c43bfbf7-b5f8-4451-8464-ef79a2e28ca1"/>
-    <ds:schemaRef ds:uri="http://purl.org/dc/dcmitype/"/>
-    <ds:schemaRef ds:uri="http://schemas.microsoft.com/office/infopath/2007/PartnerControls"/>
-    <ds:schemaRef ds:uri="http://schemas.openxmlformats.org/package/2006/metadata/core-properties"/>
-    <ds:schemaRef ds:uri="http://www.w3.org/XML/1998/namespace"/>
-  </ds:schemaRefs>
-</ds:datastoreItem>
-</file>
-
-<file path=customXml/itemProps3.xml><?xml version="1.0" encoding="utf-8"?>
 <ds:datastoreItem xmlns:ds="http://schemas.openxmlformats.org/officeDocument/2006/customXml" ds:itemID="{E53A1F87-ED7F-4CA8-8D06-B3888A424EC9}">
   <ds:schemaRefs>
     <ds:schemaRef ds:uri="http://schemas.microsoft.com/office/2006/metadata/contentType"/>
@@ -20941,4 +20985,21 @@
     <ds:schemaRef ds:uri="http://schemas.microsoft.com/internal/obd"/>
   </ds:schemaRefs>
 </ds:datastoreItem>
+</file>
+
+<file path=customXml/itemProps3.xml><?xml version="1.0" encoding="utf-8"?>
+<ds:datastoreItem xmlns:ds="http://schemas.openxmlformats.org/officeDocument/2006/customXml" ds:itemID="{5430857F-5B57-4BA6-87F2-356B3F6438EF}">
+  <ds:schemaRefs>
+    <ds:schemaRef ds:uri="http://purl.org/dc/elements/1.1/"/>
+    <ds:schemaRef ds:uri="http://schemas.microsoft.com/office/2006/metadata/properties"/>
+    <ds:schemaRef ds:uri="http://schemas.microsoft.com/office/2006/documentManagement/types"/>
+    <ds:schemaRef ds:uri="25289c4b-8fd1-4155-b56f-82d6fa13afd3"/>
+    <ds:schemaRef ds:uri="http://purl.org/dc/terms/"/>
+    <ds:schemaRef ds:uri="c43bfbf7-b5f8-4451-8464-ef79a2e28ca1"/>
+    <ds:schemaRef ds:uri="http://purl.org/dc/dcmitype/"/>
+    <ds:schemaRef ds:uri="http://schemas.microsoft.com/office/infopath/2007/PartnerControls"/>
+    <ds:schemaRef ds:uri="http://schemas.openxmlformats.org/package/2006/metadata/core-properties"/>
+    <ds:schemaRef ds:uri="http://www.w3.org/XML/1998/namespace"/>
+  </ds:schemaRefs>
+</ds:datastoreItem>
 </file>
--- a/Resume_DurgasriThamada.pptx
+++ b/Resume_DurgasriThamada.pptx
@@ -18753,20 +18753,16 @@
               <a:t>polyglot architecture </a:t>
             </a:r>
             <a:r>
-              <a:rPr lang="en-US" sz="1100" dirty="0"/>
+              <a:rPr lang="en-US" sz="1100"/>
               <a:t>with </a:t>
             </a:r>
             <a:r>
-              <a:rPr lang="en-US" sz="1100" b="1" dirty="0" err="1"/>
-              <a:t>NodeJs</a:t>
-            </a:r>
-            <a:r>
-              <a:rPr lang="en-US" sz="1100" dirty="0"/>
-              <a:t> &amp; </a:t>
+              <a:rPr lang="en-US" sz="1100" b="1"/>
+              <a:t>spring </a:t>
             </a:r>
             <a:r>
               <a:rPr lang="en-US" sz="1100" b="1" dirty="0"/>
-              <a:t>spring boot</a:t>
+              <a:t>boot</a:t>
             </a:r>
             <a:r>
               <a:rPr lang="en-US" sz="1100" dirty="0"/>

--- a/Resume_DurgasriThamada.pptx
+++ b/Resume_DurgasriThamada.pptx
@@ -249,7 +249,7 @@
             <a:fld id="{86C988DC-9DE3-4390-97AB-D61B85DACE57}" type="datetimeFigureOut">
               <a:rPr lang="pt-PT" sz="900" smtClean="0"/>
               <a:pPr/>
-              <a:t>07/10/2021</a:t>
+              <a:t>08/10/2021</a:t>
             </a:fld>
             <a:endParaRPr lang="pt-PT" sz="900"/>
           </a:p>
@@ -428,7 +428,7 @@
             <a:fld id="{0835B8F7-DAC4-4931-8AED-4356A8B2FD64}" type="datetimeFigureOut">
               <a:rPr lang="pt-BR" smtClean="0"/>
               <a:pPr/>
-              <a:t>07/10/2021</a:t>
+              <a:t>08/10/2021</a:t>
             </a:fld>
             <a:endParaRPr lang="pt-BR"/>
           </a:p>
@@ -13002,7 +13002,7 @@
             <a:fld id="{425404F2-BE9A-4460-8815-8F645183555F}" type="datetimeFigureOut">
               <a:rPr lang="en-US" smtClean="0"/>
               <a:pPr/>
-              <a:t>10/7/2021</a:t>
+              <a:t>10/8/2021</a:t>
             </a:fld>
             <a:endParaRPr lang="en-US"/>
           </a:p>
@@ -18705,11 +18705,11 @@
             </a:r>
             <a:r>
               <a:rPr lang="en-US" sz="1100" dirty="0"/>
-              <a:t> Eureka server and </a:t>
+              <a:t> Eureka server</a:t>
             </a:r>
             <a:r>
               <a:rPr lang="en-US" sz="1100" b="1" dirty="0"/>
-              <a:t>unit testing using Junit.</a:t>
+              <a:t>.</a:t>
             </a:r>
             <a:endParaRPr lang="en-US" sz="1100" dirty="0"/>
           </a:p>
@@ -18746,19 +18746,15 @@
             </a:pPr>
             <a:r>
               <a:rPr lang="en-US" sz="1100" dirty="0"/>
-              <a:t>Hands on experience in implementing </a:t>
-            </a:r>
-            <a:r>
-              <a:rPr lang="en-US" sz="1100" b="1" dirty="0"/>
-              <a:t>polyglot architecture </a:t>
+              <a:t>Hands on experience </a:t>
             </a:r>
             <a:r>
               <a:rPr lang="en-US" sz="1100"/>
-              <a:t>with </a:t>
+              <a:t>in implementing </a:t>
             </a:r>
             <a:r>
               <a:rPr lang="en-US" sz="1100" b="1"/>
-              <a:t>spring </a:t>
+              <a:t>unit testing using Junit in spring </a:t>
             </a:r>
             <a:r>
               <a:rPr lang="en-US" sz="1100" b="1" dirty="0"/>
@@ -19061,66 +19057,6 @@
           </a:p>
         </p:txBody>
       </p:sp>
-      <p:pic>
-        <p:nvPicPr>
-          <p:cNvPr id="7182" name="Picture 4" descr="Free icon download | Linkedin">
-            <a:extLst>
-              <a:ext uri="{FF2B5EF4-FFF2-40B4-BE49-F238E27FC236}">
-                <a16:creationId xmlns:a16="http://schemas.microsoft.com/office/drawing/2014/main" id="{89622B52-B834-40D0-9BA5-24EF14F2A61E}"/>
-              </a:ext>
-            </a:extLst>
-          </p:cNvPr>
-          <p:cNvPicPr>
-            <a:picLocks noChangeAspect="1" noChangeArrowheads="1"/>
-          </p:cNvPicPr>
-          <p:nvPr/>
-        </p:nvPicPr>
-        <p:blipFill>
-          <a:blip r:embed="rId6">
-            <a:extLst>
-              <a:ext uri="{28A0092B-C50C-407E-A947-70E740481C1C}">
-                <a14:useLocalDpi xmlns:a14="http://schemas.microsoft.com/office/drawing/2010/main" val="0"/>
-              </a:ext>
-            </a:extLst>
-          </a:blip>
-          <a:srcRect/>
-          <a:stretch>
-            <a:fillRect/>
-          </a:stretch>
-        </p:blipFill>
-        <p:spPr bwMode="auto">
-          <a:xfrm>
-            <a:off x="7746881" y="1989138"/>
-            <a:ext cx="325438" cy="325437"/>
-          </a:xfrm>
-          <a:prstGeom prst="rect">
-            <a:avLst/>
-          </a:prstGeom>
-          <a:noFill/>
-          <a:ln>
-            <a:noFill/>
-          </a:ln>
-          <a:extLst>
-            <a:ext uri="{909E8E84-426E-40DD-AFC4-6F175D3DCCD1}">
-              <a14:hiddenFill xmlns:a14="http://schemas.microsoft.com/office/drawing/2010/main">
-                <a:solidFill>
-                  <a:srgbClr val="FFFFFF"/>
-                </a:solidFill>
-              </a14:hiddenFill>
-            </a:ext>
-            <a:ext uri="{91240B29-F687-4F45-9708-019B960494DF}">
-              <a14:hiddenLine xmlns:a14="http://schemas.microsoft.com/office/drawing/2010/main" w="9525">
-                <a:solidFill>
-                  <a:srgbClr val="000000"/>
-                </a:solidFill>
-                <a:miter lim="800000"/>
-                <a:headEnd/>
-                <a:tailEnd/>
-              </a14:hiddenLine>
-            </a:ext>
-          </a:extLst>
-        </p:spPr>
-      </p:pic>
       <p:sp>
         <p:nvSpPr>
           <p:cNvPr id="7183" name="Text Placeholder 25">
@@ -19568,7 +19504,7 @@
           </p:nvPr>
         </p:nvPicPr>
         <p:blipFill>
-          <a:blip r:embed="rId7">
+          <a:blip r:embed="rId6">
             <a:extLst>
               <a:ext uri="{28A0092B-C50C-407E-A947-70E740481C1C}">
                 <a14:useLocalDpi xmlns:a14="http://schemas.microsoft.com/office/drawing/2010/main" val="0"/>
@@ -20719,12 +20655,9 @@
 </file>
 
 <file path=customXml/item1.xml><?xml version="1.0" encoding="utf-8"?>
-<?mso-contentType ?>
-<FormTemplates xmlns="http://schemas.microsoft.com/sharepoint/v3/contenttype/forms">
-  <Display>DocumentLibraryForm</Display>
-  <Edit>DocumentLibraryForm</Edit>
-  <New>DocumentLibraryForm</New>
-</FormTemplates>
+<p:properties xmlns:p="http://schemas.microsoft.com/office/2006/metadata/properties" xmlns:xsi="http://www.w3.org/2001/XMLSchema-instance" xmlns:pc="http://schemas.microsoft.com/office/infopath/2007/PartnerControls">
+  <documentManagement/>
+</p:properties>
 </file>
 
 <file path=customXml/item2.xml><?xml version="1.0" encoding="utf-8"?>
@@ -20951,15 +20884,27 @@
 </file>
 
 <file path=customXml/item3.xml><?xml version="1.0" encoding="utf-8"?>
-<p:properties xmlns:p="http://schemas.microsoft.com/office/2006/metadata/properties" xmlns:xsi="http://www.w3.org/2001/XMLSchema-instance" xmlns:pc="http://schemas.microsoft.com/office/infopath/2007/PartnerControls">
-  <documentManagement/>
-</p:properties>
+<?mso-contentType ?>
+<FormTemplates xmlns="http://schemas.microsoft.com/sharepoint/v3/contenttype/forms">
+  <Display>DocumentLibraryForm</Display>
+  <Edit>DocumentLibraryForm</Edit>
+  <New>DocumentLibraryForm</New>
+</FormTemplates>
 </file>
 
 <file path=customXml/itemProps1.xml><?xml version="1.0" encoding="utf-8"?>
-<ds:datastoreItem xmlns:ds="http://schemas.openxmlformats.org/officeDocument/2006/customXml" ds:itemID="{C79773B3-BEED-4422-883D-E6632C7C7120}">
+<ds:datastoreItem xmlns:ds="http://schemas.openxmlformats.org/officeDocument/2006/customXml" ds:itemID="{5430857F-5B57-4BA6-87F2-356B3F6438EF}">
   <ds:schemaRefs>
-    <ds:schemaRef ds:uri="http://schemas.microsoft.com/sharepoint/v3/contenttype/forms"/>
+    <ds:schemaRef ds:uri="http://purl.org/dc/elements/1.1/"/>
+    <ds:schemaRef ds:uri="http://schemas.microsoft.com/office/2006/metadata/properties"/>
+    <ds:schemaRef ds:uri="http://schemas.microsoft.com/office/2006/documentManagement/types"/>
+    <ds:schemaRef ds:uri="25289c4b-8fd1-4155-b56f-82d6fa13afd3"/>
+    <ds:schemaRef ds:uri="http://purl.org/dc/terms/"/>
+    <ds:schemaRef ds:uri="c43bfbf7-b5f8-4451-8464-ef79a2e28ca1"/>
+    <ds:schemaRef ds:uri="http://purl.org/dc/dcmitype/"/>
+    <ds:schemaRef ds:uri="http://schemas.microsoft.com/office/infopath/2007/PartnerControls"/>
+    <ds:schemaRef ds:uri="http://schemas.openxmlformats.org/package/2006/metadata/core-properties"/>
+    <ds:schemaRef ds:uri="http://www.w3.org/XML/1998/namespace"/>
   </ds:schemaRefs>
 </ds:datastoreItem>
 </file>
@@ -20984,18 +20929,9 @@
 </file>
 
 <file path=customXml/itemProps3.xml><?xml version="1.0" encoding="utf-8"?>
-<ds:datastoreItem xmlns:ds="http://schemas.openxmlformats.org/officeDocument/2006/customXml" ds:itemID="{5430857F-5B57-4BA6-87F2-356B3F6438EF}">
+<ds:datastoreItem xmlns:ds="http://schemas.openxmlformats.org/officeDocument/2006/customXml" ds:itemID="{C79773B3-BEED-4422-883D-E6632C7C7120}">
   <ds:schemaRefs>
-    <ds:schemaRef ds:uri="http://purl.org/dc/elements/1.1/"/>
-    <ds:schemaRef ds:uri="http://schemas.microsoft.com/office/2006/metadata/properties"/>
-    <ds:schemaRef ds:uri="http://schemas.microsoft.com/office/2006/documentManagement/types"/>
-    <ds:schemaRef ds:uri="25289c4b-8fd1-4155-b56f-82d6fa13afd3"/>
-    <ds:schemaRef ds:uri="http://purl.org/dc/terms/"/>
-    <ds:schemaRef ds:uri="c43bfbf7-b5f8-4451-8464-ef79a2e28ca1"/>
-    <ds:schemaRef ds:uri="http://purl.org/dc/dcmitype/"/>
-    <ds:schemaRef ds:uri="http://schemas.microsoft.com/office/infopath/2007/PartnerControls"/>
-    <ds:schemaRef ds:uri="http://schemas.openxmlformats.org/package/2006/metadata/core-properties"/>
-    <ds:schemaRef ds:uri="http://www.w3.org/XML/1998/namespace"/>
+    <ds:schemaRef ds:uri="http://schemas.microsoft.com/sharepoint/v3/contenttype/forms"/>
   </ds:schemaRefs>
 </ds:datastoreItem>
 </file>